--- a/2023/day1/1.morning/2023_LBRN_bootcamp_intro.pptx
+++ b/2023/day1/1.morning/2023_LBRN_bootcamp_intro.pptx
@@ -3056,7 +3056,7 @@
           <a:p>
             <a:fld id="{5D7AD96D-A0A5-42E8-92E0-3A4CBCEC855C}" type="datetimeFigureOut">
               <a:rPr lang="en-US" smtClean="0"/>
-              <a:t>7/30/2023</a:t>
+              <a:t>7/31/23</a:t>
             </a:fld>
             <a:endParaRPr lang="en-US" dirty="0"/>
           </a:p>
@@ -11549,9 +11549,36 @@
               </a:rPr>
               <a:t>https://github.com/lsuhpchelp/lbrnworkshop/tree/main/2023</a:t>
             </a:r>
-            <a:endParaRPr lang="en-US" dirty="0">
-              <a:cs typeface="Arial"/>
-            </a:endParaRPr>
+            <a:br>
+              <a:rPr lang="en-US" dirty="0">
+                <a:cs typeface="Arial"/>
+              </a:rPr>
+            </a:br>
+            <a:r>
+              <a:rPr lang="en-US" dirty="0">
+                <a:cs typeface="Arial"/>
+              </a:rPr>
+              <a:t>( </a:t>
+            </a:r>
+            <a:r>
+              <a:rPr lang="en-US" sz="2400" dirty="0">
+                <a:cs typeface="Arial"/>
+                <a:hlinkClick r:id="rId3"/>
+              </a:rPr>
+              <a:t>https://tinyurl.com/lbrnworkshop</a:t>
+            </a:r>
+            <a:r>
+              <a:rPr lang="en-US" sz="2400" dirty="0">
+                <a:cs typeface="Arial"/>
+              </a:rPr>
+              <a:t> </a:t>
+            </a:r>
+            <a:r>
+              <a:rPr lang="en-US" dirty="0">
+                <a:cs typeface="Arial"/>
+              </a:rPr>
+              <a:t>)</a:t>
+            </a:r>
           </a:p>
           <a:p>
             <a:pPr lvl="1"/>
@@ -12105,6 +12132,27 @@
               <a:rPr lang="en-US" dirty="0"/>
               <a:t> </a:t>
             </a:r>
+            <a:br>
+              <a:rPr lang="en-US" dirty="0"/>
+            </a:br>
+            <a:r>
+              <a:rPr lang="en-US" dirty="0"/>
+              <a:t>( </a:t>
+            </a:r>
+            <a:r>
+              <a:rPr lang="en-US" sz="2000" dirty="0">
+                <a:cs typeface="Arial"/>
+                <a:hlinkClick r:id="rId6"/>
+              </a:rPr>
+              <a:t>https://tinyurl.com/lbrnworkshop</a:t>
+            </a:r>
+            <a:r>
+              <a:rPr lang="en-US" sz="1600" dirty="0">
+                <a:cs typeface="Arial"/>
+              </a:rPr>
+              <a:t> )</a:t>
+            </a:r>
+            <a:endParaRPr lang="en-US" dirty="0"/>
           </a:p>
           <a:p>
             <a:pPr lvl="2"/>
@@ -12313,7 +12361,7 @@
           <p:nvPr/>
         </p:nvPicPr>
         <p:blipFill>
-          <a:blip r:embed="rId6"/>
+          <a:blip r:embed="rId7"/>
           <a:stretch>
             <a:fillRect/>
           </a:stretch>
